--- a/2020/2020-08-13-LAMP_Privacy.pptx
+++ b/2020/2020-08-13-LAMP_Privacy.pptx
@@ -3085,7 +3085,7 @@
           <p:cNvPr id="8" name="Picture 7">
             <a:extLst>
               <a:ext uri="{FF2B5EF4-FFF2-40B4-BE49-F238E27FC236}">
-                <a16:creationId xmlns:a16="http://schemas.microsoft.com/office/drawing/2014/main" xmlns="" id="{B5D5419E-BC76-244D-BCD4-7C107E7CA66B}"/>
+                <a16:creationId xmlns="" xmlns:a16="http://schemas.microsoft.com/office/drawing/2014/main" id="{B5D5419E-BC76-244D-BCD4-7C107E7CA66B}"/>
               </a:ext>
             </a:extLst>
           </p:cNvPr>
@@ -3465,7 +3465,7 @@
           <p:cNvPr id="3" name="Picture 2">
             <a:extLst>
               <a:ext uri="{FF2B5EF4-FFF2-40B4-BE49-F238E27FC236}">
-                <a16:creationId xmlns:a16="http://schemas.microsoft.com/office/drawing/2014/main" xmlns="" id="{EDD31862-E10B-274C-9571-3BE694A2173A}"/>
+                <a16:creationId xmlns="" xmlns:a16="http://schemas.microsoft.com/office/drawing/2014/main" id="{EDD31862-E10B-274C-9571-3BE694A2173A}"/>
               </a:ext>
             </a:extLst>
           </p:cNvPr>
@@ -4039,7 +4039,6 @@
               <a:rPr lang="en-US" dirty="0"/>
               <a:t>Act</a:t>
             </a:r>
-            <a:endParaRPr lang="en-US" dirty="0"/>
           </a:p>
           <a:p>
             <a:pPr>
@@ -4138,7 +4137,7 @@
           <p:cNvPr id="4" name="Rectangle 3">
             <a:extLst>
               <a:ext uri="{FF2B5EF4-FFF2-40B4-BE49-F238E27FC236}">
-                <a16:creationId xmlns:a16="http://schemas.microsoft.com/office/drawing/2014/main" xmlns="" id="{4EA95B94-C8AE-CB4B-8D48-EFC2DB404F8C}"/>
+                <a16:creationId xmlns="" xmlns:a16="http://schemas.microsoft.com/office/drawing/2014/main" id="{4EA95B94-C8AE-CB4B-8D48-EFC2DB404F8C}"/>
               </a:ext>
             </a:extLst>
           </p:cNvPr>
@@ -4205,7 +4204,7 @@
           <p:cNvPr id="5" name="TextBox 4">
             <a:extLst>
               <a:ext uri="{FF2B5EF4-FFF2-40B4-BE49-F238E27FC236}">
-                <a16:creationId xmlns:a16="http://schemas.microsoft.com/office/drawing/2014/main" xmlns="" id="{FD6EC491-E31B-214D-9AF0-31785471E610}"/>
+                <a16:creationId xmlns="" xmlns:a16="http://schemas.microsoft.com/office/drawing/2014/main" id="{FD6EC491-E31B-214D-9AF0-31785471E610}"/>
               </a:ext>
             </a:extLst>
           </p:cNvPr>
@@ -4245,7 +4244,7 @@
           <p:cNvPr id="8" name="TextBox 7">
             <a:extLst>
               <a:ext uri="{FF2B5EF4-FFF2-40B4-BE49-F238E27FC236}">
-                <a16:creationId xmlns:a16="http://schemas.microsoft.com/office/drawing/2014/main" xmlns="" id="{5499A699-02E2-AF4C-AD87-7C73F35FDAE7}"/>
+                <a16:creationId xmlns="" xmlns:a16="http://schemas.microsoft.com/office/drawing/2014/main" id="{5499A699-02E2-AF4C-AD87-7C73F35FDAE7}"/>
               </a:ext>
             </a:extLst>
           </p:cNvPr>
@@ -4285,7 +4284,7 @@
           <p:cNvPr id="9" name="TextBox 8">
             <a:extLst>
               <a:ext uri="{FF2B5EF4-FFF2-40B4-BE49-F238E27FC236}">
-                <a16:creationId xmlns:a16="http://schemas.microsoft.com/office/drawing/2014/main" xmlns="" id="{4C88B1C5-2338-664A-BA5E-F0C7DEA09A4A}"/>
+                <a16:creationId xmlns="" xmlns:a16="http://schemas.microsoft.com/office/drawing/2014/main" id="{4C88B1C5-2338-664A-BA5E-F0C7DEA09A4A}"/>
               </a:ext>
             </a:extLst>
           </p:cNvPr>
@@ -4327,7 +4326,7 @@
           <p:cNvPr id="10" name="TextBox 9">
             <a:extLst>
               <a:ext uri="{FF2B5EF4-FFF2-40B4-BE49-F238E27FC236}">
-                <a16:creationId xmlns:a16="http://schemas.microsoft.com/office/drawing/2014/main" xmlns="" id="{EBAB4500-89B6-6747-A36F-0A2896272B5C}"/>
+                <a16:creationId xmlns="" xmlns:a16="http://schemas.microsoft.com/office/drawing/2014/main" id="{EBAB4500-89B6-6747-A36F-0A2896272B5C}"/>
               </a:ext>
             </a:extLst>
           </p:cNvPr>
@@ -4367,7 +4366,7 @@
           <p:cNvPr id="11" name="TextBox 10">
             <a:extLst>
               <a:ext uri="{FF2B5EF4-FFF2-40B4-BE49-F238E27FC236}">
-                <a16:creationId xmlns:a16="http://schemas.microsoft.com/office/drawing/2014/main" xmlns="" id="{B7EC5ADF-3A7D-6E40-A221-E4B31384BAA6}"/>
+                <a16:creationId xmlns="" xmlns:a16="http://schemas.microsoft.com/office/drawing/2014/main" id="{B7EC5ADF-3A7D-6E40-A221-E4B31384BAA6}"/>
               </a:ext>
             </a:extLst>
           </p:cNvPr>
@@ -4409,7 +4408,7 @@
           <p:cNvPr id="12" name="TextBox 11">
             <a:extLst>
               <a:ext uri="{FF2B5EF4-FFF2-40B4-BE49-F238E27FC236}">
-                <a16:creationId xmlns:a16="http://schemas.microsoft.com/office/drawing/2014/main" xmlns="" id="{CCE2C659-97DD-B346-B8FE-16675DCE9B53}"/>
+                <a16:creationId xmlns="" xmlns:a16="http://schemas.microsoft.com/office/drawing/2014/main" id="{CCE2C659-97DD-B346-B8FE-16675DCE9B53}"/>
               </a:ext>
             </a:extLst>
           </p:cNvPr>
@@ -4492,7 +4491,7 @@
           <p:cNvPr id="13" name="TextBox 12">
             <a:extLst>
               <a:ext uri="{FF2B5EF4-FFF2-40B4-BE49-F238E27FC236}">
-                <a16:creationId xmlns:a16="http://schemas.microsoft.com/office/drawing/2014/main" xmlns="" id="{48BE0299-C434-AC43-A86F-FA273171FFF0}"/>
+                <a16:creationId xmlns="" xmlns:a16="http://schemas.microsoft.com/office/drawing/2014/main" id="{48BE0299-C434-AC43-A86F-FA273171FFF0}"/>
               </a:ext>
             </a:extLst>
           </p:cNvPr>
@@ -4574,7 +4573,7 @@
           <p:cNvPr id="14" name="TextBox 13">
             <a:extLst>
               <a:ext uri="{FF2B5EF4-FFF2-40B4-BE49-F238E27FC236}">
-                <a16:creationId xmlns:a16="http://schemas.microsoft.com/office/drawing/2014/main" xmlns="" id="{B1265089-F362-1942-98C9-1A8FD62BD40F}"/>
+                <a16:creationId xmlns="" xmlns:a16="http://schemas.microsoft.com/office/drawing/2014/main" id="{B1265089-F362-1942-98C9-1A8FD62BD40F}"/>
               </a:ext>
             </a:extLst>
           </p:cNvPr>
@@ -4661,7 +4660,7 @@
           <p:cNvPr id="15" name="Straight Arrow Connector 14">
             <a:extLst>
               <a:ext uri="{FF2B5EF4-FFF2-40B4-BE49-F238E27FC236}">
-                <a16:creationId xmlns:a16="http://schemas.microsoft.com/office/drawing/2014/main" xmlns="" id="{632360EB-7071-504D-A990-42A823921E52}"/>
+                <a16:creationId xmlns="" xmlns:a16="http://schemas.microsoft.com/office/drawing/2014/main" id="{632360EB-7071-504D-A990-42A823921E52}"/>
               </a:ext>
             </a:extLst>
           </p:cNvPr>
@@ -4701,7 +4700,7 @@
           <p:cNvPr id="16" name="Straight Arrow Connector 15">
             <a:extLst>
               <a:ext uri="{FF2B5EF4-FFF2-40B4-BE49-F238E27FC236}">
-                <a16:creationId xmlns:a16="http://schemas.microsoft.com/office/drawing/2014/main" xmlns="" id="{51634D3C-9079-224E-88AA-3B9E15F18C46}"/>
+                <a16:creationId xmlns="" xmlns:a16="http://schemas.microsoft.com/office/drawing/2014/main" id="{51634D3C-9079-224E-88AA-3B9E15F18C46}"/>
               </a:ext>
             </a:extLst>
           </p:cNvPr>
@@ -4744,7 +4743,7 @@
           <p:cNvPr id="17" name="Straight Arrow Connector 16">
             <a:extLst>
               <a:ext uri="{FF2B5EF4-FFF2-40B4-BE49-F238E27FC236}">
-                <a16:creationId xmlns:a16="http://schemas.microsoft.com/office/drawing/2014/main" xmlns="" id="{DD6D39C6-7DFA-1347-99B0-2E904C0DDD3B}"/>
+                <a16:creationId xmlns="" xmlns:a16="http://schemas.microsoft.com/office/drawing/2014/main" id="{DD6D39C6-7DFA-1347-99B0-2E904C0DDD3B}"/>
               </a:ext>
             </a:extLst>
           </p:cNvPr>
@@ -4786,7 +4785,7 @@
           <p:cNvPr id="18" name="TextBox 17">
             <a:extLst>
               <a:ext uri="{FF2B5EF4-FFF2-40B4-BE49-F238E27FC236}">
-                <a16:creationId xmlns:a16="http://schemas.microsoft.com/office/drawing/2014/main" xmlns="" id="{1C8BA603-F2CC-B045-BB3F-A02A4325BD72}"/>
+                <a16:creationId xmlns="" xmlns:a16="http://schemas.microsoft.com/office/drawing/2014/main" id="{1C8BA603-F2CC-B045-BB3F-A02A4325BD72}"/>
               </a:ext>
             </a:extLst>
           </p:cNvPr>
@@ -4826,7 +4825,7 @@
           <p:cNvPr id="19" name="TextBox 18">
             <a:extLst>
               <a:ext uri="{FF2B5EF4-FFF2-40B4-BE49-F238E27FC236}">
-                <a16:creationId xmlns:a16="http://schemas.microsoft.com/office/drawing/2014/main" xmlns="" id="{ED653BEC-31DF-014D-A04E-1355A308100E}"/>
+                <a16:creationId xmlns="" xmlns:a16="http://schemas.microsoft.com/office/drawing/2014/main" id="{ED653BEC-31DF-014D-A04E-1355A308100E}"/>
               </a:ext>
             </a:extLst>
           </p:cNvPr>
@@ -4908,7 +4907,7 @@
           <p:cNvPr id="20" name="Rectangle 19">
             <a:extLst>
               <a:ext uri="{FF2B5EF4-FFF2-40B4-BE49-F238E27FC236}">
-                <a16:creationId xmlns:a16="http://schemas.microsoft.com/office/drawing/2014/main" xmlns="" id="{0CD65E01-6084-6D40-8843-74CD2D612B3C}"/>
+                <a16:creationId xmlns="" xmlns:a16="http://schemas.microsoft.com/office/drawing/2014/main" id="{0CD65E01-6084-6D40-8843-74CD2D612B3C}"/>
               </a:ext>
             </a:extLst>
           </p:cNvPr>
@@ -4975,7 +4974,7 @@
           <p:cNvPr id="21" name="Rectangle 20">
             <a:extLst>
               <a:ext uri="{FF2B5EF4-FFF2-40B4-BE49-F238E27FC236}">
-                <a16:creationId xmlns:a16="http://schemas.microsoft.com/office/drawing/2014/main" xmlns="" id="{B8A88776-EFC4-CD41-8619-7E25137ACB7C}"/>
+                <a16:creationId xmlns="" xmlns:a16="http://schemas.microsoft.com/office/drawing/2014/main" id="{B8A88776-EFC4-CD41-8619-7E25137ACB7C}"/>
               </a:ext>
             </a:extLst>
           </p:cNvPr>
@@ -5042,7 +5041,7 @@
           <p:cNvPr id="22" name="Rectangle 21">
             <a:extLst>
               <a:ext uri="{FF2B5EF4-FFF2-40B4-BE49-F238E27FC236}">
-                <a16:creationId xmlns:a16="http://schemas.microsoft.com/office/drawing/2014/main" xmlns="" id="{36591196-E1B6-5142-BEBC-4715EC4CFA29}"/>
+                <a16:creationId xmlns="" xmlns:a16="http://schemas.microsoft.com/office/drawing/2014/main" id="{36591196-E1B6-5142-BEBC-4715EC4CFA29}"/>
               </a:ext>
             </a:extLst>
           </p:cNvPr>
@@ -5100,7 +5099,7 @@
           <p:cNvPr id="23" name="Rounded Rectangle 22">
             <a:extLst>
               <a:ext uri="{FF2B5EF4-FFF2-40B4-BE49-F238E27FC236}">
-                <a16:creationId xmlns:a16="http://schemas.microsoft.com/office/drawing/2014/main" xmlns="" id="{1DED8084-65A3-CF41-8BF5-0FD7D40E96EF}"/>
+                <a16:creationId xmlns="" xmlns:a16="http://schemas.microsoft.com/office/drawing/2014/main" id="{1DED8084-65A3-CF41-8BF5-0FD7D40E96EF}"/>
               </a:ext>
             </a:extLst>
           </p:cNvPr>
@@ -5196,7 +5195,7 @@
           <p:cNvPr id="24" name="TextBox 23">
             <a:extLst>
               <a:ext uri="{FF2B5EF4-FFF2-40B4-BE49-F238E27FC236}">
-                <a16:creationId xmlns:a16="http://schemas.microsoft.com/office/drawing/2014/main" xmlns="" id="{096D56AC-0DA0-1F42-9047-2AD300535805}"/>
+                <a16:creationId xmlns="" xmlns:a16="http://schemas.microsoft.com/office/drawing/2014/main" id="{096D56AC-0DA0-1F42-9047-2AD300535805}"/>
               </a:ext>
             </a:extLst>
           </p:cNvPr>
@@ -5239,7 +5238,7 @@
             <a:hlinkClick r:id="rId2"/>
             <a:extLst>
               <a:ext uri="{FF2B5EF4-FFF2-40B4-BE49-F238E27FC236}">
-                <a16:creationId xmlns:a16="http://schemas.microsoft.com/office/drawing/2014/main" xmlns="" id="{9A4E23A6-3A44-384F-BBDB-49AD4C50CF62}"/>
+                <a16:creationId xmlns="" xmlns:a16="http://schemas.microsoft.com/office/drawing/2014/main" id="{9A4E23A6-3A44-384F-BBDB-49AD4C50CF62}"/>
               </a:ext>
             </a:extLst>
           </p:cNvPr>
@@ -5275,7 +5274,7 @@
           <p:cNvPr id="26" name="Straight Arrow Connector 25">
             <a:extLst>
               <a:ext uri="{FF2B5EF4-FFF2-40B4-BE49-F238E27FC236}">
-                <a16:creationId xmlns:a16="http://schemas.microsoft.com/office/drawing/2014/main" xmlns="" id="{DD6D39C6-7DFA-1347-99B0-2E904C0DDD3B}"/>
+                <a16:creationId xmlns="" xmlns:a16="http://schemas.microsoft.com/office/drawing/2014/main" id="{DD6D39C6-7DFA-1347-99B0-2E904C0DDD3B}"/>
               </a:ext>
             </a:extLst>
           </p:cNvPr>
@@ -6216,7 +6215,6 @@
               <a:rPr lang="en-US" dirty="0" smtClean="0"/>
               <a:t>Is your data their asset?</a:t>
             </a:r>
-            <a:endParaRPr lang="en-US" dirty="0" smtClean="0"/>
           </a:p>
           <a:p>
             <a:pPr>
@@ -6565,7 +6563,31 @@
                   <a:srgbClr val="FFFF00"/>
                 </a:solidFill>
               </a:rPr>
-              <a:t> gives you our data! Learning Experiences is a privately held company! How to we know you won't sell our data?</a:t>
+              <a:t> gives you our data! Learning Experiences is a privately held company! </a:t>
+            </a:r>
+            <a:r>
+              <a:rPr lang="en-US" sz="2400" smtClean="0">
+                <a:solidFill>
+                  <a:srgbClr val="FFFF00"/>
+                </a:solidFill>
+              </a:rPr>
+              <a:t>How </a:t>
+            </a:r>
+            <a:r>
+              <a:rPr lang="en-US" sz="2400" smtClean="0">
+                <a:solidFill>
+                  <a:srgbClr val="FFFF00"/>
+                </a:solidFill>
+              </a:rPr>
+              <a:t>do </a:t>
+            </a:r>
+            <a:r>
+              <a:rPr lang="en-US" sz="2400" dirty="0" smtClean="0">
+                <a:solidFill>
+                  <a:srgbClr val="FFFF00"/>
+                </a:solidFill>
+              </a:rPr>
+              <a:t>we know you won't sell our data?</a:t>
             </a:r>
             <a:endParaRPr lang="en-US" sz="2400" dirty="0">
               <a:solidFill>
